--- a/03.2-Loops.pptx
+++ b/03.2-Loops.pptx
@@ -324,7 +324,7 @@
           <a:p>
             <a:fld id="{3EA744D9-3FBE-48D8-BF2A-85DF203E4D20}" type="datetimeFigureOut">
               <a:rPr lang="bg-BG" smtClean="0"/>
-              <a:t>21.7.2015 г.</a:t>
+              <a:t>22.7.2015 г.</a:t>
             </a:fld>
             <a:endParaRPr lang="bg-BG"/>
           </a:p>
@@ -494,7 +494,7 @@
           <a:p>
             <a:fld id="{3EA744D9-3FBE-48D8-BF2A-85DF203E4D20}" type="datetimeFigureOut">
               <a:rPr lang="bg-BG" smtClean="0"/>
-              <a:t>21.7.2015 г.</a:t>
+              <a:t>22.7.2015 г.</a:t>
             </a:fld>
             <a:endParaRPr lang="bg-BG"/>
           </a:p>
@@ -674,7 +674,7 @@
           <a:p>
             <a:fld id="{3EA744D9-3FBE-48D8-BF2A-85DF203E4D20}" type="datetimeFigureOut">
               <a:rPr lang="bg-BG" smtClean="0"/>
-              <a:t>21.7.2015 г.</a:t>
+              <a:t>22.7.2015 г.</a:t>
             </a:fld>
             <a:endParaRPr lang="bg-BG"/>
           </a:p>
@@ -844,7 +844,7 @@
           <a:p>
             <a:fld id="{3EA744D9-3FBE-48D8-BF2A-85DF203E4D20}" type="datetimeFigureOut">
               <a:rPr lang="bg-BG" smtClean="0"/>
-              <a:t>21.7.2015 г.</a:t>
+              <a:t>22.7.2015 г.</a:t>
             </a:fld>
             <a:endParaRPr lang="bg-BG"/>
           </a:p>
@@ -1090,7 +1090,7 @@
           <a:p>
             <a:fld id="{3EA744D9-3FBE-48D8-BF2A-85DF203E4D20}" type="datetimeFigureOut">
               <a:rPr lang="bg-BG" smtClean="0"/>
-              <a:t>21.7.2015 г.</a:t>
+              <a:t>22.7.2015 г.</a:t>
             </a:fld>
             <a:endParaRPr lang="bg-BG"/>
           </a:p>
@@ -1378,7 +1378,7 @@
           <a:p>
             <a:fld id="{3EA744D9-3FBE-48D8-BF2A-85DF203E4D20}" type="datetimeFigureOut">
               <a:rPr lang="bg-BG" smtClean="0"/>
-              <a:t>21.7.2015 г.</a:t>
+              <a:t>22.7.2015 г.</a:t>
             </a:fld>
             <a:endParaRPr lang="bg-BG"/>
           </a:p>
@@ -1800,7 +1800,7 @@
           <a:p>
             <a:fld id="{3EA744D9-3FBE-48D8-BF2A-85DF203E4D20}" type="datetimeFigureOut">
               <a:rPr lang="bg-BG" smtClean="0"/>
-              <a:t>21.7.2015 г.</a:t>
+              <a:t>22.7.2015 г.</a:t>
             </a:fld>
             <a:endParaRPr lang="bg-BG"/>
           </a:p>
@@ -1918,7 +1918,7 @@
           <a:p>
             <a:fld id="{3EA744D9-3FBE-48D8-BF2A-85DF203E4D20}" type="datetimeFigureOut">
               <a:rPr lang="bg-BG" smtClean="0"/>
-              <a:t>21.7.2015 г.</a:t>
+              <a:t>22.7.2015 г.</a:t>
             </a:fld>
             <a:endParaRPr lang="bg-BG"/>
           </a:p>
@@ -2013,7 +2013,7 @@
           <a:p>
             <a:fld id="{3EA744D9-3FBE-48D8-BF2A-85DF203E4D20}" type="datetimeFigureOut">
               <a:rPr lang="bg-BG" smtClean="0"/>
-              <a:t>21.7.2015 г.</a:t>
+              <a:t>22.7.2015 г.</a:t>
             </a:fld>
             <a:endParaRPr lang="bg-BG"/>
           </a:p>
@@ -2290,7 +2290,7 @@
           <a:p>
             <a:fld id="{3EA744D9-3FBE-48D8-BF2A-85DF203E4D20}" type="datetimeFigureOut">
               <a:rPr lang="bg-BG" smtClean="0"/>
-              <a:t>21.7.2015 г.</a:t>
+              <a:t>22.7.2015 г.</a:t>
             </a:fld>
             <a:endParaRPr lang="bg-BG"/>
           </a:p>
@@ -2543,7 +2543,7 @@
           <a:p>
             <a:fld id="{3EA744D9-3FBE-48D8-BF2A-85DF203E4D20}" type="datetimeFigureOut">
               <a:rPr lang="bg-BG" smtClean="0"/>
-              <a:t>21.7.2015 г.</a:t>
+              <a:t>22.7.2015 г.</a:t>
             </a:fld>
             <a:endParaRPr lang="bg-BG"/>
           </a:p>
@@ -2765,7 +2765,7 @@
           <a:p>
             <a:fld id="{3EA744D9-3FBE-48D8-BF2A-85DF203E4D20}" type="datetimeFigureOut">
               <a:rPr lang="bg-BG" smtClean="0"/>
-              <a:t>21.7.2015 г.</a:t>
+              <a:t>22.7.2015 г.</a:t>
             </a:fld>
             <a:endParaRPr lang="bg-BG"/>
           </a:p>
@@ -4720,17 +4720,17 @@
                   </a:schemeClr>
                 </a:solidFill>
               </a:rPr>
-              <a:t>Напишете </a:t>
-            </a:r>
-            <a:r>
-              <a:rPr lang="ru-RU" dirty="0" err="1" smtClean="0">
-                <a:solidFill>
-                  <a:schemeClr val="bg1">
-                    <a:lumMod val="95000"/>
-                  </a:schemeClr>
-                </a:solidFill>
-              </a:rPr>
-              <a:t>програма</a:t>
+              <a:t>Напишете програма, която кара потребителя </a:t>
+            </a:r>
+            <a:r>
+              <a:rPr lang="bg-BG" dirty="0" smtClean="0">
+                <a:solidFill>
+                  <a:schemeClr val="bg1">
+                    <a:lumMod val="95000"/>
+                  </a:schemeClr>
+                </a:solidFill>
+              </a:rPr>
+              <a:t>д</a:t>
             </a:r>
             <a:r>
               <a:rPr lang="ru-RU" dirty="0" smtClean="0">
@@ -4740,17 +4740,7 @@
                   </a:schemeClr>
                 </a:solidFill>
               </a:rPr>
-              <a:t>, </a:t>
-            </a:r>
-            <a:r>
-              <a:rPr lang="ru-RU" dirty="0" err="1" smtClean="0">
-                <a:solidFill>
-                  <a:schemeClr val="bg1">
-                    <a:lumMod val="95000"/>
-                  </a:schemeClr>
-                </a:solidFill>
-              </a:rPr>
-              <a:t>която</a:t>
+              <a:t>а </a:t>
             </a:r>
             <a:r>
               <a:rPr lang="ru-RU" dirty="0" smtClean="0">
@@ -4760,67 +4750,7 @@
                   </a:schemeClr>
                 </a:solidFill>
               </a:rPr>
-              <a:t> кара потребителя за </a:t>
-            </a:r>
-            <a:r>
-              <a:rPr lang="ru-RU" dirty="0" err="1" smtClean="0">
-                <a:solidFill>
-                  <a:schemeClr val="bg1">
-                    <a:lumMod val="95000"/>
-                  </a:schemeClr>
-                </a:solidFill>
-              </a:rPr>
-              <a:t>въвежда</a:t>
-            </a:r>
-            <a:r>
-              <a:rPr lang="ru-RU" dirty="0" smtClean="0">
-                <a:solidFill>
-                  <a:schemeClr val="bg1">
-                    <a:lumMod val="95000"/>
-                  </a:schemeClr>
-                </a:solidFill>
-              </a:rPr>
-              <a:t> числа и </a:t>
-            </a:r>
-            <a:r>
-              <a:rPr lang="ru-RU" dirty="0" err="1" smtClean="0">
-                <a:solidFill>
-                  <a:schemeClr val="bg1">
-                    <a:lumMod val="95000"/>
-                  </a:schemeClr>
-                </a:solidFill>
-              </a:rPr>
-              <a:t>ги</a:t>
-            </a:r>
-            <a:r>
-              <a:rPr lang="ru-RU" dirty="0" smtClean="0">
-                <a:solidFill>
-                  <a:schemeClr val="bg1">
-                    <a:lumMod val="95000"/>
-                  </a:schemeClr>
-                </a:solidFill>
-              </a:rPr>
-              <a:t> </a:t>
-            </a:r>
-            <a:r>
-              <a:rPr lang="ru-RU" dirty="0" err="1" smtClean="0">
-                <a:solidFill>
-                  <a:schemeClr val="bg1">
-                    <a:lumMod val="95000"/>
-                  </a:schemeClr>
-                </a:solidFill>
-              </a:rPr>
-              <a:t>сумира</a:t>
-            </a:r>
-            <a:r>
-              <a:rPr lang="ru-RU" dirty="0" smtClean="0">
-                <a:solidFill>
-                  <a:schemeClr val="bg1">
-                    <a:lumMod val="95000"/>
-                  </a:schemeClr>
-                </a:solidFill>
-              </a:rPr>
-              <a:t>. Края на </a:t>
+              <a:t>въвежда числа и ги сумира. Края на </a:t>
             </a:r>
             <a:r>
               <a:rPr lang="ru-RU" dirty="0" err="1" smtClean="0">

--- a/03.2-Loops.pptx
+++ b/03.2-Loops.pptx
@@ -324,7 +324,7 @@
           <a:p>
             <a:fld id="{3EA744D9-3FBE-48D8-BF2A-85DF203E4D20}" type="datetimeFigureOut">
               <a:rPr lang="bg-BG" smtClean="0"/>
-              <a:t>22.7.2015 г.</a:t>
+              <a:t>14.12.2016 г.</a:t>
             </a:fld>
             <a:endParaRPr lang="bg-BG"/>
           </a:p>
@@ -494,7 +494,7 @@
           <a:p>
             <a:fld id="{3EA744D9-3FBE-48D8-BF2A-85DF203E4D20}" type="datetimeFigureOut">
               <a:rPr lang="bg-BG" smtClean="0"/>
-              <a:t>22.7.2015 г.</a:t>
+              <a:t>14.12.2016 г.</a:t>
             </a:fld>
             <a:endParaRPr lang="bg-BG"/>
           </a:p>
@@ -674,7 +674,7 @@
           <a:p>
             <a:fld id="{3EA744D9-3FBE-48D8-BF2A-85DF203E4D20}" type="datetimeFigureOut">
               <a:rPr lang="bg-BG" smtClean="0"/>
-              <a:t>22.7.2015 г.</a:t>
+              <a:t>14.12.2016 г.</a:t>
             </a:fld>
             <a:endParaRPr lang="bg-BG"/>
           </a:p>
@@ -844,7 +844,7 @@
           <a:p>
             <a:fld id="{3EA744D9-3FBE-48D8-BF2A-85DF203E4D20}" type="datetimeFigureOut">
               <a:rPr lang="bg-BG" smtClean="0"/>
-              <a:t>22.7.2015 г.</a:t>
+              <a:t>14.12.2016 г.</a:t>
             </a:fld>
             <a:endParaRPr lang="bg-BG"/>
           </a:p>
@@ -1090,7 +1090,7 @@
           <a:p>
             <a:fld id="{3EA744D9-3FBE-48D8-BF2A-85DF203E4D20}" type="datetimeFigureOut">
               <a:rPr lang="bg-BG" smtClean="0"/>
-              <a:t>22.7.2015 г.</a:t>
+              <a:t>14.12.2016 г.</a:t>
             </a:fld>
             <a:endParaRPr lang="bg-BG"/>
           </a:p>
@@ -1378,7 +1378,7 @@
           <a:p>
             <a:fld id="{3EA744D9-3FBE-48D8-BF2A-85DF203E4D20}" type="datetimeFigureOut">
               <a:rPr lang="bg-BG" smtClean="0"/>
-              <a:t>22.7.2015 г.</a:t>
+              <a:t>14.12.2016 г.</a:t>
             </a:fld>
             <a:endParaRPr lang="bg-BG"/>
           </a:p>
@@ -1800,7 +1800,7 @@
           <a:p>
             <a:fld id="{3EA744D9-3FBE-48D8-BF2A-85DF203E4D20}" type="datetimeFigureOut">
               <a:rPr lang="bg-BG" smtClean="0"/>
-              <a:t>22.7.2015 г.</a:t>
+              <a:t>14.12.2016 г.</a:t>
             </a:fld>
             <a:endParaRPr lang="bg-BG"/>
           </a:p>
@@ -1918,7 +1918,7 @@
           <a:p>
             <a:fld id="{3EA744D9-3FBE-48D8-BF2A-85DF203E4D20}" type="datetimeFigureOut">
               <a:rPr lang="bg-BG" smtClean="0"/>
-              <a:t>22.7.2015 г.</a:t>
+              <a:t>14.12.2016 г.</a:t>
             </a:fld>
             <a:endParaRPr lang="bg-BG"/>
           </a:p>
@@ -2013,7 +2013,7 @@
           <a:p>
             <a:fld id="{3EA744D9-3FBE-48D8-BF2A-85DF203E4D20}" type="datetimeFigureOut">
               <a:rPr lang="bg-BG" smtClean="0"/>
-              <a:t>22.7.2015 г.</a:t>
+              <a:t>14.12.2016 г.</a:t>
             </a:fld>
             <a:endParaRPr lang="bg-BG"/>
           </a:p>
@@ -2290,7 +2290,7 @@
           <a:p>
             <a:fld id="{3EA744D9-3FBE-48D8-BF2A-85DF203E4D20}" type="datetimeFigureOut">
               <a:rPr lang="bg-BG" smtClean="0"/>
-              <a:t>22.7.2015 г.</a:t>
+              <a:t>14.12.2016 г.</a:t>
             </a:fld>
             <a:endParaRPr lang="bg-BG"/>
           </a:p>
@@ -2543,7 +2543,7 @@
           <a:p>
             <a:fld id="{3EA744D9-3FBE-48D8-BF2A-85DF203E4D20}" type="datetimeFigureOut">
               <a:rPr lang="bg-BG" smtClean="0"/>
-              <a:t>22.7.2015 г.</a:t>
+              <a:t>14.12.2016 г.</a:t>
             </a:fld>
             <a:endParaRPr lang="bg-BG"/>
           </a:p>
@@ -2765,7 +2765,7 @@
           <a:p>
             <a:fld id="{3EA744D9-3FBE-48D8-BF2A-85DF203E4D20}" type="datetimeFigureOut">
               <a:rPr lang="bg-BG" smtClean="0"/>
-              <a:t>22.7.2015 г.</a:t>
+              <a:t>14.12.2016 г.</a:t>
             </a:fld>
             <a:endParaRPr lang="bg-BG"/>
           </a:p>
@@ -4740,17 +4740,7 @@
                   </a:schemeClr>
                 </a:solidFill>
               </a:rPr>
-              <a:t>а </a:t>
-            </a:r>
-            <a:r>
-              <a:rPr lang="ru-RU" dirty="0" smtClean="0">
-                <a:solidFill>
-                  <a:schemeClr val="bg1">
-                    <a:lumMod val="95000"/>
-                  </a:schemeClr>
-                </a:solidFill>
-              </a:rPr>
-              <a:t>въвежда числа и ги сумира. Края на </a:t>
+              <a:t>а въвежда числа и ги сумира. Края на </a:t>
             </a:r>
             <a:r>
               <a:rPr lang="ru-RU" dirty="0" err="1" smtClean="0">
